--- a/Описание и ТЗ и т.д/Презентация.pptx
+++ b/Описание и ТЗ и т.д/Презентация.pptx
@@ -8,6 +8,7 @@
     <p:sldId id="256" r:id="rId2"/>
     <p:sldId id="257" r:id="rId3"/>
     <p:sldId id="258" r:id="rId4"/>
+    <p:sldId id="259" r:id="rId5"/>
   </p:sldIdLst>
   <p:sldSz cx="12192000" cy="6858000"/>
   <p:notesSz cx="6858000" cy="9144000"/>
@@ -106,6 +107,11 @@
       </a:defRPr>
     </a:lvl9pPr>
   </p:defaultTextStyle>
+  <p:extLst>
+    <p:ext uri="{EFAFB233-063F-42B5-8137-9DF3F51BA10A}">
+      <p15:sldGuideLst xmlns:p15="http://schemas.microsoft.com/office/powerpoint/2012/main"/>
+    </p:ext>
+  </p:extLst>
 </p:presentation>
 </file>
 
@@ -256,7 +262,7 @@
           <a:p>
             <a:fld id="{606D1DC1-5995-4064-A445-E63B5BC3A177}" type="datetimeFigureOut">
               <a:rPr lang="ru-RU" smtClean="0"/>
-              <a:t>01.11.2021</a:t>
+              <a:t>05.11.2021</a:t>
             </a:fld>
             <a:endParaRPr lang="ru-RU"/>
           </a:p>
@@ -454,7 +460,7 @@
           <a:p>
             <a:fld id="{606D1DC1-5995-4064-A445-E63B5BC3A177}" type="datetimeFigureOut">
               <a:rPr lang="ru-RU" smtClean="0"/>
-              <a:t>01.11.2021</a:t>
+              <a:t>05.11.2021</a:t>
             </a:fld>
             <a:endParaRPr lang="ru-RU"/>
           </a:p>
@@ -662,7 +668,7 @@
           <a:p>
             <a:fld id="{606D1DC1-5995-4064-A445-E63B5BC3A177}" type="datetimeFigureOut">
               <a:rPr lang="ru-RU" smtClean="0"/>
-              <a:t>01.11.2021</a:t>
+              <a:t>05.11.2021</a:t>
             </a:fld>
             <a:endParaRPr lang="ru-RU"/>
           </a:p>
@@ -860,7 +866,7 @@
           <a:p>
             <a:fld id="{606D1DC1-5995-4064-A445-E63B5BC3A177}" type="datetimeFigureOut">
               <a:rPr lang="ru-RU" smtClean="0"/>
-              <a:t>01.11.2021</a:t>
+              <a:t>05.11.2021</a:t>
             </a:fld>
             <a:endParaRPr lang="ru-RU"/>
           </a:p>
@@ -1135,7 +1141,7 @@
           <a:p>
             <a:fld id="{606D1DC1-5995-4064-A445-E63B5BC3A177}" type="datetimeFigureOut">
               <a:rPr lang="ru-RU" smtClean="0"/>
-              <a:t>01.11.2021</a:t>
+              <a:t>05.11.2021</a:t>
             </a:fld>
             <a:endParaRPr lang="ru-RU"/>
           </a:p>
@@ -1400,7 +1406,7 @@
           <a:p>
             <a:fld id="{606D1DC1-5995-4064-A445-E63B5BC3A177}" type="datetimeFigureOut">
               <a:rPr lang="ru-RU" smtClean="0"/>
-              <a:t>01.11.2021</a:t>
+              <a:t>05.11.2021</a:t>
             </a:fld>
             <a:endParaRPr lang="ru-RU"/>
           </a:p>
@@ -1812,7 +1818,7 @@
           <a:p>
             <a:fld id="{606D1DC1-5995-4064-A445-E63B5BC3A177}" type="datetimeFigureOut">
               <a:rPr lang="ru-RU" smtClean="0"/>
-              <a:t>01.11.2021</a:t>
+              <a:t>05.11.2021</a:t>
             </a:fld>
             <a:endParaRPr lang="ru-RU"/>
           </a:p>
@@ -1953,7 +1959,7 @@
           <a:p>
             <a:fld id="{606D1DC1-5995-4064-A445-E63B5BC3A177}" type="datetimeFigureOut">
               <a:rPr lang="ru-RU" smtClean="0"/>
-              <a:t>01.11.2021</a:t>
+              <a:t>05.11.2021</a:t>
             </a:fld>
             <a:endParaRPr lang="ru-RU"/>
           </a:p>
@@ -2066,7 +2072,7 @@
           <a:p>
             <a:fld id="{606D1DC1-5995-4064-A445-E63B5BC3A177}" type="datetimeFigureOut">
               <a:rPr lang="ru-RU" smtClean="0"/>
-              <a:t>01.11.2021</a:t>
+              <a:t>05.11.2021</a:t>
             </a:fld>
             <a:endParaRPr lang="ru-RU"/>
           </a:p>
@@ -2377,7 +2383,7 @@
           <a:p>
             <a:fld id="{606D1DC1-5995-4064-A445-E63B5BC3A177}" type="datetimeFigureOut">
               <a:rPr lang="ru-RU" smtClean="0"/>
-              <a:t>01.11.2021</a:t>
+              <a:t>05.11.2021</a:t>
             </a:fld>
             <a:endParaRPr lang="ru-RU"/>
           </a:p>
@@ -2665,7 +2671,7 @@
           <a:p>
             <a:fld id="{606D1DC1-5995-4064-A445-E63B5BC3A177}" type="datetimeFigureOut">
               <a:rPr lang="ru-RU" smtClean="0"/>
-              <a:t>01.11.2021</a:t>
+              <a:t>05.11.2021</a:t>
             </a:fld>
             <a:endParaRPr lang="ru-RU"/>
           </a:p>
@@ -2906,7 +2912,7 @@
           <a:p>
             <a:fld id="{606D1DC1-5995-4064-A445-E63B5BC3A177}" type="datetimeFigureOut">
               <a:rPr lang="ru-RU" smtClean="0"/>
-              <a:t>01.11.2021</a:t>
+              <a:t>05.11.2021</a:t>
             </a:fld>
             <a:endParaRPr lang="ru-RU"/>
           </a:p>
@@ -3450,7 +3456,7 @@
             <a:pPr algn="ctr"/>
             <a:r>
               <a:rPr lang="ru-RU" sz="900" dirty="0"/>
-              <a:t>Это основной блок программы, сюда нужно вписывать название товара и его количество(Название товара с большой буквы и через пробел количество)</a:t>
+              <a:t>Это основной блок программы, сюда нужно вписывать название товара и его количество(Название товара и через пробел количество)</a:t>
             </a:r>
           </a:p>
         </p:txBody>
@@ -3814,112 +3820,6 @@
           <a:chExt cx="0" cy="0"/>
         </a:xfrm>
       </p:grpSpPr>
-      <p:sp>
-        <p:nvSpPr>
-          <p:cNvPr id="2" name="Заголовок 1">
-            <a:extLst>
-              <a:ext uri="{FF2B5EF4-FFF2-40B4-BE49-F238E27FC236}">
-                <a16:creationId xmlns:a16="http://schemas.microsoft.com/office/drawing/2014/main" id="{0FD97F03-CCB9-4DD5-98A5-2DAD605A4E09}"/>
-              </a:ext>
-            </a:extLst>
-          </p:cNvPr>
-          <p:cNvSpPr>
-            <a:spLocks noGrp="1"/>
-          </p:cNvSpPr>
-          <p:nvPr>
-            <p:ph type="title"/>
-          </p:nvPr>
-        </p:nvSpPr>
-        <p:spPr/>
-        <p:txBody>
-          <a:bodyPr/>
-          <a:lstStyle/>
-          <a:p>
-            <a:endParaRPr lang="ru-RU"/>
-          </a:p>
-        </p:txBody>
-      </p:sp>
-      <p:pic>
-        <p:nvPicPr>
-          <p:cNvPr id="11" name="Объект 10">
-            <a:extLst>
-              <a:ext uri="{FF2B5EF4-FFF2-40B4-BE49-F238E27FC236}">
-                <a16:creationId xmlns:a16="http://schemas.microsoft.com/office/drawing/2014/main" id="{FD13D085-B8B5-48DD-A420-4AF85EB6AFC8}"/>
-              </a:ext>
-            </a:extLst>
-          </p:cNvPr>
-          <p:cNvPicPr>
-            <a:picLocks noGrp="1" noChangeAspect="1"/>
-          </p:cNvPicPr>
-          <p:nvPr>
-            <p:ph idx="1"/>
-          </p:nvPr>
-        </p:nvPicPr>
-        <p:blipFill rotWithShape="1">
-          <a:blip r:embed="rId2">
-            <a:extLst>
-              <a:ext uri="{28A0092B-C50C-407E-A947-70E740481C1C}">
-                <a14:useLocalDpi xmlns:a14="http://schemas.microsoft.com/office/drawing/2010/main" val="0"/>
-              </a:ext>
-            </a:extLst>
-          </a:blip>
-          <a:srcRect r="35488"/>
-          <a:stretch/>
-        </p:blipFill>
-        <p:spPr>
-          <a:xfrm>
-            <a:off x="0" y="0"/>
-            <a:ext cx="5948855" cy="6858000"/>
-          </a:xfrm>
-        </p:spPr>
-      </p:pic>
-      <p:sp>
-        <p:nvSpPr>
-          <p:cNvPr id="16" name="Прямоугольник 15">
-            <a:extLst>
-              <a:ext uri="{FF2B5EF4-FFF2-40B4-BE49-F238E27FC236}">
-                <a16:creationId xmlns:a16="http://schemas.microsoft.com/office/drawing/2014/main" id="{30988D4A-9BA3-4E16-860A-82DFD9DBBC4F}"/>
-              </a:ext>
-            </a:extLst>
-          </p:cNvPr>
-          <p:cNvSpPr/>
-          <p:nvPr/>
-        </p:nvSpPr>
-        <p:spPr>
-          <a:xfrm>
-            <a:off x="599089" y="567559"/>
-            <a:ext cx="2091559" cy="241738"/>
-          </a:xfrm>
-          <a:prstGeom prst="rect">
-            <a:avLst/>
-          </a:prstGeom>
-        </p:spPr>
-        <p:style>
-          <a:lnRef idx="2">
-            <a:schemeClr val="dk1"/>
-          </a:lnRef>
-          <a:fillRef idx="1">
-            <a:schemeClr val="lt1"/>
-          </a:fillRef>
-          <a:effectRef idx="0">
-            <a:schemeClr val="dk1"/>
-          </a:effectRef>
-          <a:fontRef idx="minor">
-            <a:schemeClr val="dk1"/>
-          </a:fontRef>
-        </p:style>
-        <p:txBody>
-          <a:bodyPr rtlCol="0" anchor="ctr"/>
-          <a:lstStyle/>
-          <a:p>
-            <a:pPr algn="ctr"/>
-            <a:r>
-              <a:rPr lang="ru-RU" sz="900" dirty="0"/>
-              <a:t>Открыть терминал связи со складом</a:t>
-            </a:r>
-          </a:p>
-        </p:txBody>
-      </p:sp>
       <p:pic>
         <p:nvPicPr>
           <p:cNvPr id="17" name="Объект 10">
@@ -3947,7 +3847,7 @@
         </p:blipFill>
         <p:spPr>
           <a:xfrm>
-            <a:off x="5948855" y="0"/>
+            <a:off x="0" y="0"/>
             <a:ext cx="6328763" cy="6858000"/>
           </a:xfrm>
           <a:prstGeom prst="rect">
@@ -3969,7 +3869,7 @@
         </p:nvSpPr>
         <p:spPr>
           <a:xfrm>
-            <a:off x="5948855" y="567559"/>
+            <a:off x="0" y="557510"/>
             <a:ext cx="1852448" cy="1776248"/>
           </a:xfrm>
           <a:prstGeom prst="rect">
@@ -4046,6 +3946,199 @@
           </a:p>
         </p:txBody>
       </p:sp>
+      <p:sp>
+        <p:nvSpPr>
+          <p:cNvPr id="5" name="Прямоугольник 4">
+            <a:extLst>
+              <a:ext uri="{FF2B5EF4-FFF2-40B4-BE49-F238E27FC236}">
+                <a16:creationId xmlns:a16="http://schemas.microsoft.com/office/drawing/2014/main" id="{6D956C45-505F-481F-9818-D0B3F11D609C}"/>
+              </a:ext>
+            </a:extLst>
+          </p:cNvPr>
+          <p:cNvSpPr/>
+          <p:nvPr/>
+        </p:nvSpPr>
+        <p:spPr>
+          <a:xfrm>
+            <a:off x="5948855" y="733530"/>
+            <a:ext cx="1852448" cy="75768"/>
+          </a:xfrm>
+          <a:prstGeom prst="rect">
+            <a:avLst/>
+          </a:prstGeom>
+          <a:noFill/>
+          <a:ln>
+            <a:noFill/>
+          </a:ln>
+        </p:spPr>
+        <p:style>
+          <a:lnRef idx="2">
+            <a:schemeClr val="accent1">
+              <a:shade val="50000"/>
+            </a:schemeClr>
+          </a:lnRef>
+          <a:fillRef idx="1">
+            <a:schemeClr val="accent1"/>
+          </a:fillRef>
+          <a:effectRef idx="0">
+            <a:schemeClr val="accent1"/>
+          </a:effectRef>
+          <a:fontRef idx="minor">
+            <a:schemeClr val="lt1"/>
+          </a:fontRef>
+        </p:style>
+        <p:txBody>
+          <a:bodyPr rtlCol="0" anchor="ctr"/>
+          <a:lstStyle/>
+          <a:p>
+            <a:pPr algn="ctr"/>
+            <a:endParaRPr lang="ru-RU"/>
+          </a:p>
+        </p:txBody>
+      </p:sp>
+      <p:pic>
+        <p:nvPicPr>
+          <p:cNvPr id="9" name="Рисунок 8" descr="Изображение выглядит как текст&#10;&#10;Автоматически созданное описание">
+            <a:extLst>
+              <a:ext uri="{FF2B5EF4-FFF2-40B4-BE49-F238E27FC236}">
+                <a16:creationId xmlns:a16="http://schemas.microsoft.com/office/drawing/2014/main" id="{12655982-4944-42B1-82EE-56AA749A81CC}"/>
+              </a:ext>
+            </a:extLst>
+          </p:cNvPr>
+          <p:cNvPicPr>
+            <a:picLocks noChangeAspect="1"/>
+          </p:cNvPicPr>
+          <p:nvPr/>
+        </p:nvPicPr>
+        <p:blipFill rotWithShape="1">
+          <a:blip r:embed="rId3">
+            <a:extLst>
+              <a:ext uri="{28A0092B-C50C-407E-A947-70E740481C1C}">
+                <a14:useLocalDpi xmlns:a14="http://schemas.microsoft.com/office/drawing/2010/main" val="0"/>
+              </a:ext>
+            </a:extLst>
+          </a:blip>
+          <a:srcRect b="10791"/>
+          <a:stretch/>
+        </p:blipFill>
+        <p:spPr>
+          <a:xfrm>
+            <a:off x="2033549" y="1008195"/>
+            <a:ext cx="3382315" cy="1776248"/>
+          </a:xfrm>
+          <a:prstGeom prst="rect">
+            <a:avLst/>
+          </a:prstGeom>
+        </p:spPr>
+      </p:pic>
+      <p:pic>
+        <p:nvPicPr>
+          <p:cNvPr id="14" name="Рисунок 13" descr="Изображение выглядит как текст, снимок экрана, монитор, экран&#10;&#10;Автоматически созданное описание">
+            <a:extLst>
+              <a:ext uri="{FF2B5EF4-FFF2-40B4-BE49-F238E27FC236}">
+                <a16:creationId xmlns:a16="http://schemas.microsoft.com/office/drawing/2014/main" id="{CC64507D-9C25-4294-80E2-AD00A8297A90}"/>
+              </a:ext>
+            </a:extLst>
+          </p:cNvPr>
+          <p:cNvPicPr>
+            <a:picLocks noChangeAspect="1"/>
+          </p:cNvPicPr>
+          <p:nvPr/>
+        </p:nvPicPr>
+        <p:blipFill>
+          <a:blip r:embed="rId4">
+            <a:extLst>
+              <a:ext uri="{28A0092B-C50C-407E-A947-70E740481C1C}">
+                <a14:useLocalDpi xmlns:a14="http://schemas.microsoft.com/office/drawing/2010/main" val="0"/>
+              </a:ext>
+            </a:extLst>
+          </a:blip>
+          <a:stretch>
+            <a:fillRect/>
+          </a:stretch>
+        </p:blipFill>
+        <p:spPr>
+          <a:xfrm>
+            <a:off x="1852448" y="872885"/>
+            <a:ext cx="9591504" cy="5090406"/>
+          </a:xfrm>
+          <a:prstGeom prst="rect">
+            <a:avLst/>
+          </a:prstGeom>
+        </p:spPr>
+      </p:pic>
+      <p:pic>
+        <p:nvPicPr>
+          <p:cNvPr id="19" name="Рисунок 18" descr="Изображение выглядит как текст, снимок экрана, монитор, экран&#10;&#10;Автоматически созданное описание">
+            <a:extLst>
+              <a:ext uri="{FF2B5EF4-FFF2-40B4-BE49-F238E27FC236}">
+                <a16:creationId xmlns:a16="http://schemas.microsoft.com/office/drawing/2014/main" id="{E0CD2007-4CCF-4CA6-9551-34C983FBEE1F}"/>
+              </a:ext>
+            </a:extLst>
+          </p:cNvPr>
+          <p:cNvPicPr>
+            <a:picLocks noChangeAspect="1"/>
+          </p:cNvPicPr>
+          <p:nvPr/>
+        </p:nvPicPr>
+        <p:blipFill>
+          <a:blip r:embed="rId5">
+            <a:extLst>
+              <a:ext uri="{28A0092B-C50C-407E-A947-70E740481C1C}">
+                <a14:useLocalDpi xmlns:a14="http://schemas.microsoft.com/office/drawing/2010/main" val="0"/>
+              </a:ext>
+            </a:extLst>
+          </a:blip>
+          <a:stretch>
+            <a:fillRect/>
+          </a:stretch>
+        </p:blipFill>
+        <p:spPr>
+          <a:xfrm>
+            <a:off x="1852448" y="872885"/>
+            <a:ext cx="9591504" cy="5090406"/>
+          </a:xfrm>
+          <a:prstGeom prst="rect">
+            <a:avLst/>
+          </a:prstGeom>
+        </p:spPr>
+      </p:pic>
+      <p:pic>
+        <p:nvPicPr>
+          <p:cNvPr id="21" name="Рисунок 20" descr="Изображение выглядит как стол&#10;&#10;Автоматически созданное описание">
+            <a:extLst>
+              <a:ext uri="{FF2B5EF4-FFF2-40B4-BE49-F238E27FC236}">
+                <a16:creationId xmlns:a16="http://schemas.microsoft.com/office/drawing/2014/main" id="{F2FC17F1-F7B5-40AF-8FFF-19E2784B01BA}"/>
+              </a:ext>
+            </a:extLst>
+          </p:cNvPr>
+          <p:cNvPicPr>
+            <a:picLocks noChangeAspect="1"/>
+          </p:cNvPicPr>
+          <p:nvPr/>
+        </p:nvPicPr>
+        <p:blipFill>
+          <a:blip r:embed="rId6">
+            <a:extLst>
+              <a:ext uri="{28A0092B-C50C-407E-A947-70E740481C1C}">
+                <a14:useLocalDpi xmlns:a14="http://schemas.microsoft.com/office/drawing/2010/main" val="0"/>
+              </a:ext>
+            </a:extLst>
+          </a:blip>
+          <a:stretch>
+            <a:fillRect/>
+          </a:stretch>
+        </p:blipFill>
+        <p:spPr>
+          <a:xfrm>
+            <a:off x="1852448" y="872885"/>
+            <a:ext cx="6108487" cy="5090406"/>
+          </a:xfrm>
+          <a:prstGeom prst="rect">
+            <a:avLst/>
+          </a:prstGeom>
+        </p:spPr>
+      </p:pic>
     </p:spTree>
     <p:extLst>
       <p:ext uri="{BB962C8B-B14F-4D97-AF65-F5344CB8AC3E}">
@@ -4056,6 +4149,640 @@
   <p:clrMapOvr>
     <a:masterClrMapping/>
   </p:clrMapOvr>
+  <p:timing>
+    <p:tnLst>
+      <p:par>
+        <p:cTn id="1" dur="indefinite" restart="never" nodeType="tmRoot">
+          <p:childTnLst>
+            <p:seq concurrent="1" nextAc="seek">
+              <p:cTn id="2" dur="indefinite" nodeType="mainSeq">
+                <p:childTnLst>
+                  <p:par>
+                    <p:cTn id="3" fill="hold">
+                      <p:stCondLst>
+                        <p:cond delay="indefinite"/>
+                      </p:stCondLst>
+                      <p:childTnLst>
+                        <p:par>
+                          <p:cTn id="4" fill="hold">
+                            <p:stCondLst>
+                              <p:cond delay="0"/>
+                            </p:stCondLst>
+                            <p:childTnLst>
+                              <p:par>
+                                <p:cTn id="5" presetID="1" presetClass="entr" presetSubtype="0" fill="hold" nodeType="clickEffect">
+                                  <p:stCondLst>
+                                    <p:cond delay="0"/>
+                                  </p:stCondLst>
+                                  <p:childTnLst>
+                                    <p:set>
+                                      <p:cBhvr>
+                                        <p:cTn id="6" dur="1" fill="hold">
+                                          <p:stCondLst>
+                                            <p:cond delay="0"/>
+                                          </p:stCondLst>
+                                        </p:cTn>
+                                        <p:tgtEl>
+                                          <p:spTgt spid="9"/>
+                                        </p:tgtEl>
+                                        <p:attrNameLst>
+                                          <p:attrName>style.visibility</p:attrName>
+                                        </p:attrNameLst>
+                                      </p:cBhvr>
+                                      <p:to>
+                                        <p:strVal val="visible"/>
+                                      </p:to>
+                                    </p:set>
+                                  </p:childTnLst>
+                                </p:cTn>
+                              </p:par>
+                            </p:childTnLst>
+                          </p:cTn>
+                        </p:par>
+                      </p:childTnLst>
+                    </p:cTn>
+                  </p:par>
+                  <p:par>
+                    <p:cTn id="7" fill="hold">
+                      <p:stCondLst>
+                        <p:cond delay="indefinite"/>
+                      </p:stCondLst>
+                      <p:childTnLst>
+                        <p:par>
+                          <p:cTn id="8" fill="hold">
+                            <p:stCondLst>
+                              <p:cond delay="0"/>
+                            </p:stCondLst>
+                            <p:childTnLst>
+                              <p:par>
+                                <p:cTn id="9" presetID="1" presetClass="entr" presetSubtype="0" fill="hold" nodeType="clickEffect">
+                                  <p:stCondLst>
+                                    <p:cond delay="0"/>
+                                  </p:stCondLst>
+                                  <p:childTnLst>
+                                    <p:set>
+                                      <p:cBhvr>
+                                        <p:cTn id="10" dur="1" fill="hold">
+                                          <p:stCondLst>
+                                            <p:cond delay="0"/>
+                                          </p:stCondLst>
+                                        </p:cTn>
+                                        <p:tgtEl>
+                                          <p:spTgt spid="14"/>
+                                        </p:tgtEl>
+                                        <p:attrNameLst>
+                                          <p:attrName>style.visibility</p:attrName>
+                                        </p:attrNameLst>
+                                      </p:cBhvr>
+                                      <p:to>
+                                        <p:strVal val="visible"/>
+                                      </p:to>
+                                    </p:set>
+                                  </p:childTnLst>
+                                </p:cTn>
+                              </p:par>
+                            </p:childTnLst>
+                          </p:cTn>
+                        </p:par>
+                      </p:childTnLst>
+                    </p:cTn>
+                  </p:par>
+                  <p:par>
+                    <p:cTn id="11" fill="hold">
+                      <p:stCondLst>
+                        <p:cond delay="indefinite"/>
+                      </p:stCondLst>
+                      <p:childTnLst>
+                        <p:par>
+                          <p:cTn id="12" fill="hold">
+                            <p:stCondLst>
+                              <p:cond delay="0"/>
+                            </p:stCondLst>
+                            <p:childTnLst>
+                              <p:par>
+                                <p:cTn id="13" presetID="1" presetClass="entr" presetSubtype="0" fill="hold" nodeType="clickEffect">
+                                  <p:stCondLst>
+                                    <p:cond delay="0"/>
+                                  </p:stCondLst>
+                                  <p:childTnLst>
+                                    <p:set>
+                                      <p:cBhvr>
+                                        <p:cTn id="14" dur="1" fill="hold">
+                                          <p:stCondLst>
+                                            <p:cond delay="0"/>
+                                          </p:stCondLst>
+                                        </p:cTn>
+                                        <p:tgtEl>
+                                          <p:spTgt spid="19"/>
+                                        </p:tgtEl>
+                                        <p:attrNameLst>
+                                          <p:attrName>style.visibility</p:attrName>
+                                        </p:attrNameLst>
+                                      </p:cBhvr>
+                                      <p:to>
+                                        <p:strVal val="visible"/>
+                                      </p:to>
+                                    </p:set>
+                                  </p:childTnLst>
+                                </p:cTn>
+                              </p:par>
+                            </p:childTnLst>
+                          </p:cTn>
+                        </p:par>
+                      </p:childTnLst>
+                    </p:cTn>
+                  </p:par>
+                  <p:par>
+                    <p:cTn id="15" fill="hold">
+                      <p:stCondLst>
+                        <p:cond delay="indefinite"/>
+                      </p:stCondLst>
+                      <p:childTnLst>
+                        <p:par>
+                          <p:cTn id="16" fill="hold">
+                            <p:stCondLst>
+                              <p:cond delay="0"/>
+                            </p:stCondLst>
+                            <p:childTnLst>
+                              <p:par>
+                                <p:cTn id="17" presetID="1" presetClass="entr" presetSubtype="0" fill="hold" nodeType="clickEffect">
+                                  <p:stCondLst>
+                                    <p:cond delay="0"/>
+                                  </p:stCondLst>
+                                  <p:childTnLst>
+                                    <p:set>
+                                      <p:cBhvr>
+                                        <p:cTn id="18" dur="1" fill="hold">
+                                          <p:stCondLst>
+                                            <p:cond delay="0"/>
+                                          </p:stCondLst>
+                                        </p:cTn>
+                                        <p:tgtEl>
+                                          <p:spTgt spid="21"/>
+                                        </p:tgtEl>
+                                        <p:attrNameLst>
+                                          <p:attrName>style.visibility</p:attrName>
+                                        </p:attrNameLst>
+                                      </p:cBhvr>
+                                      <p:to>
+                                        <p:strVal val="visible"/>
+                                      </p:to>
+                                    </p:set>
+                                  </p:childTnLst>
+                                </p:cTn>
+                              </p:par>
+                            </p:childTnLst>
+                          </p:cTn>
+                        </p:par>
+                      </p:childTnLst>
+                    </p:cTn>
+                  </p:par>
+                </p:childTnLst>
+              </p:cTn>
+              <p:prevCondLst>
+                <p:cond evt="onPrev" delay="0">
+                  <p:tgtEl>
+                    <p:sldTgt/>
+                  </p:tgtEl>
+                </p:cond>
+              </p:prevCondLst>
+              <p:nextCondLst>
+                <p:cond evt="onNext" delay="0">
+                  <p:tgtEl>
+                    <p:sldTgt/>
+                  </p:tgtEl>
+                </p:cond>
+              </p:nextCondLst>
+            </p:seq>
+          </p:childTnLst>
+        </p:cTn>
+      </p:par>
+    </p:tnLst>
+  </p:timing>
+</p:sld>
+</file>
+
+<file path=ppt/slides/slide4.xml><?xml version="1.0" encoding="utf-8"?>
+<p:sld xmlns:a="http://schemas.openxmlformats.org/drawingml/2006/main" xmlns:r="http://schemas.openxmlformats.org/officeDocument/2006/relationships" xmlns:p="http://schemas.openxmlformats.org/presentationml/2006/main">
+  <p:cSld>
+    <p:spTree>
+      <p:nvGrpSpPr>
+        <p:cNvPr id="1" name=""/>
+        <p:cNvGrpSpPr/>
+        <p:nvPr/>
+      </p:nvGrpSpPr>
+      <p:grpSpPr>
+        <a:xfrm>
+          <a:off x="0" y="0"/>
+          <a:ext cx="0" cy="0"/>
+          <a:chOff x="0" y="0"/>
+          <a:chExt cx="0" cy="0"/>
+        </a:xfrm>
+      </p:grpSpPr>
+      <p:sp>
+        <p:nvSpPr>
+          <p:cNvPr id="2" name="Заголовок 1">
+            <a:extLst>
+              <a:ext uri="{FF2B5EF4-FFF2-40B4-BE49-F238E27FC236}">
+                <a16:creationId xmlns:a16="http://schemas.microsoft.com/office/drawing/2014/main" id="{9462E681-6E6B-4C67-8853-53BABB82DB72}"/>
+              </a:ext>
+            </a:extLst>
+          </p:cNvPr>
+          <p:cNvSpPr>
+            <a:spLocks noGrp="1"/>
+          </p:cNvSpPr>
+          <p:nvPr>
+            <p:ph type="title"/>
+          </p:nvPr>
+        </p:nvSpPr>
+        <p:spPr/>
+        <p:txBody>
+          <a:bodyPr/>
+          <a:lstStyle/>
+          <a:p>
+            <a:endParaRPr lang="ru-RU"/>
+          </a:p>
+        </p:txBody>
+      </p:sp>
+      <p:pic>
+        <p:nvPicPr>
+          <p:cNvPr id="8" name="Объект 7" descr="Изображение выглядит как стол&#10;&#10;Автоматически созданное описание">
+            <a:extLst>
+              <a:ext uri="{FF2B5EF4-FFF2-40B4-BE49-F238E27FC236}">
+                <a16:creationId xmlns:a16="http://schemas.microsoft.com/office/drawing/2014/main" id="{3239A254-6DF3-4D9A-BD74-EB3291357118}"/>
+              </a:ext>
+            </a:extLst>
+          </p:cNvPr>
+          <p:cNvPicPr>
+            <a:picLocks noGrp="1" noChangeAspect="1"/>
+          </p:cNvPicPr>
+          <p:nvPr>
+            <p:ph idx="1"/>
+          </p:nvPr>
+        </p:nvPicPr>
+        <p:blipFill rotWithShape="1">
+          <a:blip r:embed="rId2">
+            <a:extLst>
+              <a:ext uri="{28A0092B-C50C-407E-A947-70E740481C1C}">
+                <a14:useLocalDpi xmlns:a14="http://schemas.microsoft.com/office/drawing/2010/main" val="0"/>
+              </a:ext>
+            </a:extLst>
+          </a:blip>
+          <a:srcRect r="15896" b="8755"/>
+          <a:stretch/>
+        </p:blipFill>
+        <p:spPr>
+          <a:xfrm>
+            <a:off x="5949348" y="0"/>
+            <a:ext cx="5672961" cy="6858000"/>
+          </a:xfrm>
+        </p:spPr>
+      </p:pic>
+      <p:pic>
+        <p:nvPicPr>
+          <p:cNvPr id="4" name="Рисунок 3">
+            <a:extLst>
+              <a:ext uri="{FF2B5EF4-FFF2-40B4-BE49-F238E27FC236}">
+                <a16:creationId xmlns:a16="http://schemas.microsoft.com/office/drawing/2014/main" id="{7216ECE3-A46B-445F-AFE5-64492998C660}"/>
+              </a:ext>
+            </a:extLst>
+          </p:cNvPr>
+          <p:cNvPicPr>
+            <a:picLocks noChangeAspect="1"/>
+          </p:cNvPicPr>
+          <p:nvPr/>
+        </p:nvPicPr>
+        <p:blipFill>
+          <a:blip r:embed="rId3"/>
+          <a:stretch>
+            <a:fillRect/>
+          </a:stretch>
+        </p:blipFill>
+        <p:spPr>
+          <a:xfrm>
+            <a:off x="0" y="0"/>
+            <a:ext cx="5949697" cy="6858000"/>
+          </a:xfrm>
+          <a:prstGeom prst="rect">
+            <a:avLst/>
+          </a:prstGeom>
+        </p:spPr>
+      </p:pic>
+      <p:pic>
+        <p:nvPicPr>
+          <p:cNvPr id="5" name="Рисунок 4">
+            <a:extLst>
+              <a:ext uri="{FF2B5EF4-FFF2-40B4-BE49-F238E27FC236}">
+                <a16:creationId xmlns:a16="http://schemas.microsoft.com/office/drawing/2014/main" id="{88FAD45F-6488-4B64-871C-F033E5EE90E1}"/>
+              </a:ext>
+            </a:extLst>
+          </p:cNvPr>
+          <p:cNvPicPr>
+            <a:picLocks noChangeAspect="1"/>
+          </p:cNvPicPr>
+          <p:nvPr/>
+        </p:nvPicPr>
+        <p:blipFill>
+          <a:blip r:embed="rId4"/>
+          <a:stretch>
+            <a:fillRect/>
+          </a:stretch>
+        </p:blipFill>
+        <p:spPr>
+          <a:xfrm>
+            <a:off x="562785" y="543865"/>
+            <a:ext cx="2103302" cy="274344"/>
+          </a:xfrm>
+          <a:prstGeom prst="rect">
+            <a:avLst/>
+          </a:prstGeom>
+        </p:spPr>
+      </p:pic>
+      <p:sp>
+        <p:nvSpPr>
+          <p:cNvPr id="9" name="Стрелка: вправо 8">
+            <a:extLst>
+              <a:ext uri="{FF2B5EF4-FFF2-40B4-BE49-F238E27FC236}">
+                <a16:creationId xmlns:a16="http://schemas.microsoft.com/office/drawing/2014/main" id="{E8ADE8E2-91C6-4B04-BC73-9B026196E4A6}"/>
+              </a:ext>
+            </a:extLst>
+          </p:cNvPr>
+          <p:cNvSpPr/>
+          <p:nvPr/>
+        </p:nvSpPr>
+        <p:spPr>
+          <a:xfrm>
+            <a:off x="1336431" y="5828045"/>
+            <a:ext cx="4481565" cy="582804"/>
+          </a:xfrm>
+          <a:prstGeom prst="rightArrow">
+            <a:avLst/>
+          </a:prstGeom>
+        </p:spPr>
+        <p:style>
+          <a:lnRef idx="2">
+            <a:schemeClr val="accent1">
+              <a:shade val="50000"/>
+            </a:schemeClr>
+          </a:lnRef>
+          <a:fillRef idx="1">
+            <a:schemeClr val="accent1"/>
+          </a:fillRef>
+          <a:effectRef idx="0">
+            <a:schemeClr val="accent1"/>
+          </a:effectRef>
+          <a:fontRef idx="minor">
+            <a:schemeClr val="lt1"/>
+          </a:fontRef>
+        </p:style>
+        <p:txBody>
+          <a:bodyPr rtlCol="0" anchor="ctr"/>
+          <a:lstStyle/>
+          <a:p>
+            <a:pPr algn="ctr"/>
+            <a:r>
+              <a:rPr lang="ru-RU" sz="1400" dirty="0"/>
+              <a:t>Добавляется пустая строка которую можно заполнить</a:t>
+            </a:r>
+          </a:p>
+        </p:txBody>
+      </p:sp>
+      <p:sp>
+        <p:nvSpPr>
+          <p:cNvPr id="10" name="Стрелка: вправо 9">
+            <a:extLst>
+              <a:ext uri="{FF2B5EF4-FFF2-40B4-BE49-F238E27FC236}">
+                <a16:creationId xmlns:a16="http://schemas.microsoft.com/office/drawing/2014/main" id="{D2962B50-9FFE-45F5-9B19-D6D9BC4F73A7}"/>
+              </a:ext>
+            </a:extLst>
+          </p:cNvPr>
+          <p:cNvSpPr/>
+          <p:nvPr/>
+        </p:nvSpPr>
+        <p:spPr>
+          <a:xfrm>
+            <a:off x="1688123" y="6410848"/>
+            <a:ext cx="4261225" cy="447152"/>
+          </a:xfrm>
+          <a:prstGeom prst="rightArrow">
+            <a:avLst/>
+          </a:prstGeom>
+        </p:spPr>
+        <p:style>
+          <a:lnRef idx="2">
+            <a:schemeClr val="accent1">
+              <a:shade val="50000"/>
+            </a:schemeClr>
+          </a:lnRef>
+          <a:fillRef idx="1">
+            <a:schemeClr val="accent1"/>
+          </a:fillRef>
+          <a:effectRef idx="0">
+            <a:schemeClr val="accent1"/>
+          </a:effectRef>
+          <a:fontRef idx="minor">
+            <a:schemeClr val="lt1"/>
+          </a:fontRef>
+        </p:style>
+        <p:txBody>
+          <a:bodyPr rtlCol="0" anchor="ctr"/>
+          <a:lstStyle/>
+          <a:p>
+            <a:pPr algn="ctr"/>
+            <a:r>
+              <a:rPr lang="ru-RU" dirty="0"/>
+              <a:t>Удаление предмета из базы данных</a:t>
+            </a:r>
+          </a:p>
+        </p:txBody>
+      </p:sp>
+      <p:sp>
+        <p:nvSpPr>
+          <p:cNvPr id="11" name="Выноска: стрелка вниз 10">
+            <a:extLst>
+              <a:ext uri="{FF2B5EF4-FFF2-40B4-BE49-F238E27FC236}">
+                <a16:creationId xmlns:a16="http://schemas.microsoft.com/office/drawing/2014/main" id="{D7C057FA-09BC-4470-B5E6-6D1CF4EFEDA3}"/>
+              </a:ext>
+            </a:extLst>
+          </p:cNvPr>
+          <p:cNvSpPr/>
+          <p:nvPr/>
+        </p:nvSpPr>
+        <p:spPr>
+          <a:xfrm>
+            <a:off x="7637471" y="5566787"/>
+            <a:ext cx="2059189" cy="844061"/>
+          </a:xfrm>
+          <a:prstGeom prst="downArrowCallout">
+            <a:avLst/>
+          </a:prstGeom>
+        </p:spPr>
+        <p:style>
+          <a:lnRef idx="2">
+            <a:schemeClr val="accent1">
+              <a:shade val="50000"/>
+            </a:schemeClr>
+          </a:lnRef>
+          <a:fillRef idx="1">
+            <a:schemeClr val="accent1"/>
+          </a:fillRef>
+          <a:effectRef idx="0">
+            <a:schemeClr val="accent1"/>
+          </a:effectRef>
+          <a:fontRef idx="minor">
+            <a:schemeClr val="lt1"/>
+          </a:fontRef>
+        </p:style>
+        <p:txBody>
+          <a:bodyPr rtlCol="0" anchor="ctr"/>
+          <a:lstStyle/>
+          <a:p>
+            <a:pPr algn="ctr"/>
+            <a:r>
+              <a:rPr lang="en-US" dirty="0"/>
+              <a:t>Id </a:t>
+            </a:r>
+            <a:r>
+              <a:rPr lang="ru-RU" dirty="0"/>
+              <a:t>удаляемого предмета</a:t>
+            </a:r>
+          </a:p>
+        </p:txBody>
+      </p:sp>
+      <p:sp>
+        <p:nvSpPr>
+          <p:cNvPr id="12" name="Выноска: стрелка вниз 11">
+            <a:extLst>
+              <a:ext uri="{FF2B5EF4-FFF2-40B4-BE49-F238E27FC236}">
+                <a16:creationId xmlns:a16="http://schemas.microsoft.com/office/drawing/2014/main" id="{5BFFFA11-E98D-4A2E-A570-121F04F1A194}"/>
+              </a:ext>
+            </a:extLst>
+          </p:cNvPr>
+          <p:cNvSpPr/>
+          <p:nvPr/>
+        </p:nvSpPr>
+        <p:spPr>
+          <a:xfrm>
+            <a:off x="9696660" y="4903596"/>
+            <a:ext cx="2057001" cy="1225899"/>
+          </a:xfrm>
+          <a:prstGeom prst="downArrowCallout">
+            <a:avLst/>
+          </a:prstGeom>
+        </p:spPr>
+        <p:style>
+          <a:lnRef idx="2">
+            <a:schemeClr val="accent1">
+              <a:shade val="50000"/>
+            </a:schemeClr>
+          </a:lnRef>
+          <a:fillRef idx="1">
+            <a:schemeClr val="accent1"/>
+          </a:fillRef>
+          <a:effectRef idx="0">
+            <a:schemeClr val="accent1"/>
+          </a:effectRef>
+          <a:fontRef idx="minor">
+            <a:schemeClr val="lt1"/>
+          </a:fontRef>
+        </p:style>
+        <p:txBody>
+          <a:bodyPr rtlCol="0" anchor="ctr"/>
+          <a:lstStyle/>
+          <a:p>
+            <a:pPr algn="ctr"/>
+            <a:r>
+              <a:rPr lang="ru-RU" dirty="0"/>
+              <a:t>Обновление таблицы отображения БД</a:t>
+            </a:r>
+          </a:p>
+        </p:txBody>
+      </p:sp>
+    </p:spTree>
+    <p:extLst>
+      <p:ext uri="{BB962C8B-B14F-4D97-AF65-F5344CB8AC3E}">
+        <p14:creationId xmlns:p14="http://schemas.microsoft.com/office/powerpoint/2010/main" val="3654705933"/>
+      </p:ext>
+    </p:extLst>
+  </p:cSld>
+  <p:clrMapOvr>
+    <a:masterClrMapping/>
+  </p:clrMapOvr>
+  <p:timing>
+    <p:tnLst>
+      <p:par>
+        <p:cTn id="1" dur="indefinite" restart="never" nodeType="tmRoot">
+          <p:childTnLst>
+            <p:seq concurrent="1" nextAc="seek">
+              <p:cTn id="2" dur="indefinite" nodeType="mainSeq">
+                <p:childTnLst>
+                  <p:par>
+                    <p:cTn id="3" fill="hold">
+                      <p:stCondLst>
+                        <p:cond delay="indefinite"/>
+                      </p:stCondLst>
+                      <p:childTnLst>
+                        <p:par>
+                          <p:cTn id="4" fill="hold">
+                            <p:stCondLst>
+                              <p:cond delay="0"/>
+                            </p:stCondLst>
+                            <p:childTnLst>
+                              <p:par>
+                                <p:cTn id="5" presetID="1" presetClass="entr" presetSubtype="0" fill="hold" nodeType="clickEffect">
+                                  <p:stCondLst>
+                                    <p:cond delay="0"/>
+                                  </p:stCondLst>
+                                  <p:childTnLst>
+                                    <p:set>
+                                      <p:cBhvr>
+                                        <p:cTn id="6" dur="1" fill="hold">
+                                          <p:stCondLst>
+                                            <p:cond delay="0"/>
+                                          </p:stCondLst>
+                                        </p:cTn>
+                                        <p:tgtEl>
+                                          <p:spTgt spid="8"/>
+                                        </p:tgtEl>
+                                        <p:attrNameLst>
+                                          <p:attrName>style.visibility</p:attrName>
+                                        </p:attrNameLst>
+                                      </p:cBhvr>
+                                      <p:to>
+                                        <p:strVal val="visible"/>
+                                      </p:to>
+                                    </p:set>
+                                  </p:childTnLst>
+                                </p:cTn>
+                              </p:par>
+                            </p:childTnLst>
+                          </p:cTn>
+                        </p:par>
+                      </p:childTnLst>
+                    </p:cTn>
+                  </p:par>
+                </p:childTnLst>
+              </p:cTn>
+              <p:prevCondLst>
+                <p:cond evt="onPrev" delay="0">
+                  <p:tgtEl>
+                    <p:sldTgt/>
+                  </p:tgtEl>
+                </p:cond>
+              </p:prevCondLst>
+              <p:nextCondLst>
+                <p:cond evt="onNext" delay="0">
+                  <p:tgtEl>
+                    <p:sldTgt/>
+                  </p:tgtEl>
+                </p:cond>
+              </p:nextCondLst>
+            </p:seq>
+          </p:childTnLst>
+        </p:cTn>
+      </p:par>
+    </p:tnLst>
+  </p:timing>
 </p:sld>
 </file>
 
